--- a/presentation-le-champ-dolent.pptx
+++ b/presentation-le-champ-dolent.pptx
@@ -4,9 +4,17 @@
   <p:sldMasterIdLst>
     <p:sldMasterId id="2147483660" r:id="rId1"/>
   </p:sldMasterIdLst>
+  <p:notesMasterIdLst>
+    <p:notesMasterId r:id="rId9"/>
+  </p:notesMasterIdLst>
   <p:sldIdLst>
     <p:sldId id="256" r:id="rId2"/>
     <p:sldId id="257" r:id="rId3"/>
+    <p:sldId id="258" r:id="rId4"/>
+    <p:sldId id="259" r:id="rId5"/>
+    <p:sldId id="260" r:id="rId6"/>
+    <p:sldId id="261" r:id="rId7"/>
+    <p:sldId id="262" r:id="rId8"/>
   </p:sldIdLst>
   <p:sldSz cx="12192000" cy="6858000"/>
   <p:notesSz cx="6858000" cy="9144000"/>
@@ -116,13 +124,65 @@
 <file path=ppt/revisionInfo.xml><?xml version="1.0" encoding="utf-8"?>
 <p1510:revInfo xmlns:a="http://schemas.openxmlformats.org/drawingml/2006/main" xmlns:r="http://schemas.openxmlformats.org/officeDocument/2006/relationships" xmlns:p1510="http://schemas.microsoft.com/office/powerpoint/2015/10/main">
   <p1510:revLst>
-    <p1510:client id="{FA74C7EA-A81F-419B-8AA9-147F8A641E52}" v="1" dt="2025-03-27T13:45:59.372"/>
+    <p1510:client id="{FA74C7EA-A81F-419B-8AA9-147F8A641E52}" v="13" dt="2025-04-04T07:34:13.323"/>
   </p1510:revLst>
 </p1510:revInfo>
 </file>
 
 <file path=ppt/changesInfos/changesInfo1.xml><?xml version="1.0" encoding="utf-8"?>
 <pc:chgInfo xmlns:a="http://schemas.openxmlformats.org/drawingml/2006/main" xmlns:r="http://schemas.openxmlformats.org/officeDocument/2006/relationships" xmlns:ac="http://schemas.microsoft.com/office/drawing/2013/main/command" xmlns:pc="http://schemas.microsoft.com/office/powerpoint/2013/main/command">
+  <pc:docChgLst>
+    <pc:chgData name="Jessica Marville" userId="2f9ed75b0ee63255" providerId="LiveId" clId="{FA74C7EA-A81F-419B-8AA9-147F8A641E52}"/>
+    <pc:docChg chg="custSel addSld modSld">
+      <pc:chgData name="Jessica Marville" userId="2f9ed75b0ee63255" providerId="LiveId" clId="{FA74C7EA-A81F-419B-8AA9-147F8A641E52}" dt="2025-04-04T07:34:13.323" v="26"/>
+      <pc:docMkLst>
+        <pc:docMk/>
+      </pc:docMkLst>
+      <pc:sldChg chg="modSp new mod modTransition">
+        <pc:chgData name="Jessica Marville" userId="2f9ed75b0ee63255" providerId="LiveId" clId="{FA74C7EA-A81F-419B-8AA9-147F8A641E52}" dt="2025-04-04T07:33:37.934" v="17"/>
+        <pc:sldMkLst>
+          <pc:docMk/>
+          <pc:sldMk cId="3300317717" sldId="258"/>
+        </pc:sldMkLst>
+        <pc:spChg chg="mod">
+          <ac:chgData name="Jessica Marville" userId="2f9ed75b0ee63255" providerId="LiveId" clId="{FA74C7EA-A81F-419B-8AA9-147F8A641E52}" dt="2025-04-04T07:31:52.315" v="14" actId="313"/>
+          <ac:spMkLst>
+            <pc:docMk/>
+            <pc:sldMk cId="3300317717" sldId="258"/>
+            <ac:spMk id="2" creationId="{9CFD3E1D-C6C8-6B35-2886-C39494E52752}"/>
+          </ac:spMkLst>
+        </pc:spChg>
+      </pc:sldChg>
+      <pc:sldChg chg="new modTransition">
+        <pc:chgData name="Jessica Marville" userId="2f9ed75b0ee63255" providerId="LiveId" clId="{FA74C7EA-A81F-419B-8AA9-147F8A641E52}" dt="2025-04-04T07:33:47.018" v="19"/>
+        <pc:sldMkLst>
+          <pc:docMk/>
+          <pc:sldMk cId="2535689488" sldId="259"/>
+        </pc:sldMkLst>
+      </pc:sldChg>
+      <pc:sldChg chg="new modTransition">
+        <pc:chgData name="Jessica Marville" userId="2f9ed75b0ee63255" providerId="LiveId" clId="{FA74C7EA-A81F-419B-8AA9-147F8A641E52}" dt="2025-04-04T07:33:56.464" v="22"/>
+        <pc:sldMkLst>
+          <pc:docMk/>
+          <pc:sldMk cId="1350076515" sldId="260"/>
+        </pc:sldMkLst>
+      </pc:sldChg>
+      <pc:sldChg chg="new modTransition">
+        <pc:chgData name="Jessica Marville" userId="2f9ed75b0ee63255" providerId="LiveId" clId="{FA74C7EA-A81F-419B-8AA9-147F8A641E52}" dt="2025-04-04T07:34:02.041" v="24"/>
+        <pc:sldMkLst>
+          <pc:docMk/>
+          <pc:sldMk cId="843771624" sldId="261"/>
+        </pc:sldMkLst>
+      </pc:sldChg>
+      <pc:sldChg chg="new modTransition">
+        <pc:chgData name="Jessica Marville" userId="2f9ed75b0ee63255" providerId="LiveId" clId="{FA74C7EA-A81F-419B-8AA9-147F8A641E52}" dt="2025-04-04T07:34:13.323" v="26"/>
+        <pc:sldMkLst>
+          <pc:docMk/>
+          <pc:sldMk cId="2833168550" sldId="262"/>
+        </pc:sldMkLst>
+      </pc:sldChg>
+    </pc:docChg>
+  </pc:docChgLst>
   <pc:docChgLst>
     <pc:chgData name="Jessica Marville" userId="2f9ed75b0ee63255" providerId="LiveId" clId="{C8D51B3E-A27F-0142-B3AF-F2BBBC41A28D}"/>
     <pc:docChg chg="modSld">
@@ -150,6 +210,439 @@
 </pc:chgInfo>
 </file>
 
+<file path=ppt/notesMasters/notesMaster1.xml><?xml version="1.0" encoding="utf-8"?>
+<p:notesMaster xmlns:a="http://schemas.openxmlformats.org/drawingml/2006/main" xmlns:r="http://schemas.openxmlformats.org/officeDocument/2006/relationships" xmlns:p="http://schemas.openxmlformats.org/presentationml/2006/main">
+  <p:cSld>
+    <p:bg>
+      <p:bgRef idx="1001">
+        <a:schemeClr val="bg1"/>
+      </p:bgRef>
+    </p:bg>
+    <p:spTree>
+      <p:nvGrpSpPr>
+        <p:cNvPr id="1" name=""/>
+        <p:cNvGrpSpPr/>
+        <p:nvPr/>
+      </p:nvGrpSpPr>
+      <p:grpSpPr>
+        <a:xfrm>
+          <a:off x="0" y="0"/>
+          <a:ext cx="0" cy="0"/>
+          <a:chOff x="0" y="0"/>
+          <a:chExt cx="0" cy="0"/>
+        </a:xfrm>
+      </p:grpSpPr>
+      <p:sp>
+        <p:nvSpPr>
+          <p:cNvPr id="2" name="Espace réservé de l'en-tête 1"/>
+          <p:cNvSpPr>
+            <a:spLocks noGrp="1"/>
+          </p:cNvSpPr>
+          <p:nvPr>
+            <p:ph type="hdr" sz="quarter"/>
+          </p:nvPr>
+        </p:nvSpPr>
+        <p:spPr>
+          <a:xfrm>
+            <a:off x="0" y="0"/>
+            <a:ext cx="2971800" cy="458788"/>
+          </a:xfrm>
+          <a:prstGeom prst="rect">
+            <a:avLst/>
+          </a:prstGeom>
+        </p:spPr>
+        <p:txBody>
+          <a:bodyPr vert="horz" lIns="91440" tIns="45720" rIns="91440" bIns="45720" rtlCol="0"/>
+          <a:lstStyle>
+            <a:lvl1pPr algn="l">
+              <a:defRPr sz="1200"/>
+            </a:lvl1pPr>
+          </a:lstStyle>
+          <a:p>
+            <a:endParaRPr lang="fr-FR"/>
+          </a:p>
+        </p:txBody>
+      </p:sp>
+      <p:sp>
+        <p:nvSpPr>
+          <p:cNvPr id="3" name="Espace réservé de la date 2"/>
+          <p:cNvSpPr>
+            <a:spLocks noGrp="1"/>
+          </p:cNvSpPr>
+          <p:nvPr>
+            <p:ph type="dt" idx="1"/>
+          </p:nvPr>
+        </p:nvSpPr>
+        <p:spPr>
+          <a:xfrm>
+            <a:off x="3884613" y="0"/>
+            <a:ext cx="2971800" cy="458788"/>
+          </a:xfrm>
+          <a:prstGeom prst="rect">
+            <a:avLst/>
+          </a:prstGeom>
+        </p:spPr>
+        <p:txBody>
+          <a:bodyPr vert="horz" lIns="91440" tIns="45720" rIns="91440" bIns="45720" rtlCol="0"/>
+          <a:lstStyle>
+            <a:lvl1pPr algn="r">
+              <a:defRPr sz="1200"/>
+            </a:lvl1pPr>
+          </a:lstStyle>
+          <a:p>
+            <a:fld id="{B23BE58F-47A2-4A01-92CB-EA65785039D6}" type="datetimeFigureOut">
+              <a:rPr lang="fr-FR" smtClean="0"/>
+              <a:t>04/04/2025</a:t>
+            </a:fld>
+            <a:endParaRPr lang="fr-FR"/>
+          </a:p>
+        </p:txBody>
+      </p:sp>
+      <p:sp>
+        <p:nvSpPr>
+          <p:cNvPr id="4" name="Espace réservé de l'image des diapositives 3"/>
+          <p:cNvSpPr>
+            <a:spLocks noGrp="1" noRot="1" noChangeAspect="1"/>
+          </p:cNvSpPr>
+          <p:nvPr>
+            <p:ph type="sldImg" idx="2"/>
+          </p:nvPr>
+        </p:nvSpPr>
+        <p:spPr>
+          <a:xfrm>
+            <a:off x="685800" y="1143000"/>
+            <a:ext cx="5486400" cy="3086100"/>
+          </a:xfrm>
+          <a:prstGeom prst="rect">
+            <a:avLst/>
+          </a:prstGeom>
+          <a:noFill/>
+          <a:ln w="12700">
+            <a:solidFill>
+              <a:prstClr val="black"/>
+            </a:solidFill>
+          </a:ln>
+        </p:spPr>
+        <p:txBody>
+          <a:bodyPr vert="horz" lIns="91440" tIns="45720" rIns="91440" bIns="45720" rtlCol="0" anchor="ctr"/>
+          <a:lstStyle/>
+          <a:p>
+            <a:endParaRPr lang="fr-FR"/>
+          </a:p>
+        </p:txBody>
+      </p:sp>
+      <p:sp>
+        <p:nvSpPr>
+          <p:cNvPr id="5" name="Espace réservé des notes 4"/>
+          <p:cNvSpPr>
+            <a:spLocks noGrp="1"/>
+          </p:cNvSpPr>
+          <p:nvPr>
+            <p:ph type="body" sz="quarter" idx="3"/>
+          </p:nvPr>
+        </p:nvSpPr>
+        <p:spPr>
+          <a:xfrm>
+            <a:off x="685800" y="4400550"/>
+            <a:ext cx="5486400" cy="3600450"/>
+          </a:xfrm>
+          <a:prstGeom prst="rect">
+            <a:avLst/>
+          </a:prstGeom>
+        </p:spPr>
+        <p:txBody>
+          <a:bodyPr vert="horz" lIns="91440" tIns="45720" rIns="91440" bIns="45720" rtlCol="0"/>
+          <a:lstStyle/>
+          <a:p>
+            <a:pPr lvl="0"/>
+            <a:r>
+              <a:rPr lang="fr-FR"/>
+              <a:t>Cliquez pour modifier les styles du texte du masque</a:t>
+            </a:r>
+          </a:p>
+          <a:p>
+            <a:pPr lvl="1"/>
+            <a:r>
+              <a:rPr lang="fr-FR"/>
+              <a:t>Deuxième niveau</a:t>
+            </a:r>
+          </a:p>
+          <a:p>
+            <a:pPr lvl="2"/>
+            <a:r>
+              <a:rPr lang="fr-FR"/>
+              <a:t>Troisième niveau</a:t>
+            </a:r>
+          </a:p>
+          <a:p>
+            <a:pPr lvl="3"/>
+            <a:r>
+              <a:rPr lang="fr-FR"/>
+              <a:t>Quatrième niveau</a:t>
+            </a:r>
+          </a:p>
+          <a:p>
+            <a:pPr lvl="4"/>
+            <a:r>
+              <a:rPr lang="fr-FR"/>
+              <a:t>Cinquième niveau</a:t>
+            </a:r>
+          </a:p>
+        </p:txBody>
+      </p:sp>
+      <p:sp>
+        <p:nvSpPr>
+          <p:cNvPr id="6" name="Espace réservé du pied de page 5"/>
+          <p:cNvSpPr>
+            <a:spLocks noGrp="1"/>
+          </p:cNvSpPr>
+          <p:nvPr>
+            <p:ph type="ftr" sz="quarter" idx="4"/>
+          </p:nvPr>
+        </p:nvSpPr>
+        <p:spPr>
+          <a:xfrm>
+            <a:off x="0" y="8685213"/>
+            <a:ext cx="2971800" cy="458787"/>
+          </a:xfrm>
+          <a:prstGeom prst="rect">
+            <a:avLst/>
+          </a:prstGeom>
+        </p:spPr>
+        <p:txBody>
+          <a:bodyPr vert="horz" lIns="91440" tIns="45720" rIns="91440" bIns="45720" rtlCol="0" anchor="b"/>
+          <a:lstStyle>
+            <a:lvl1pPr algn="l">
+              <a:defRPr sz="1200"/>
+            </a:lvl1pPr>
+          </a:lstStyle>
+          <a:p>
+            <a:endParaRPr lang="fr-FR"/>
+          </a:p>
+        </p:txBody>
+      </p:sp>
+      <p:sp>
+        <p:nvSpPr>
+          <p:cNvPr id="7" name="Espace réservé du numéro de diapositive 6"/>
+          <p:cNvSpPr>
+            <a:spLocks noGrp="1"/>
+          </p:cNvSpPr>
+          <p:nvPr>
+            <p:ph type="sldNum" sz="quarter" idx="5"/>
+          </p:nvPr>
+        </p:nvSpPr>
+        <p:spPr>
+          <a:xfrm>
+            <a:off x="3884613" y="8685213"/>
+            <a:ext cx="2971800" cy="458787"/>
+          </a:xfrm>
+          <a:prstGeom prst="rect">
+            <a:avLst/>
+          </a:prstGeom>
+        </p:spPr>
+        <p:txBody>
+          <a:bodyPr vert="horz" lIns="91440" tIns="45720" rIns="91440" bIns="45720" rtlCol="0" anchor="b"/>
+          <a:lstStyle>
+            <a:lvl1pPr algn="r">
+              <a:defRPr sz="1200"/>
+            </a:lvl1pPr>
+          </a:lstStyle>
+          <a:p>
+            <a:fld id="{810D5B76-1A9E-4F44-BC02-7E4DEED840EF}" type="slidenum">
+              <a:rPr lang="fr-FR" smtClean="0"/>
+              <a:t>‹N°›</a:t>
+            </a:fld>
+            <a:endParaRPr lang="fr-FR"/>
+          </a:p>
+        </p:txBody>
+      </p:sp>
+    </p:spTree>
+    <p:extLst>
+      <p:ext uri="{BB962C8B-B14F-4D97-AF65-F5344CB8AC3E}">
+        <p14:creationId xmlns:p14="http://schemas.microsoft.com/office/powerpoint/2010/main" val="917354159"/>
+      </p:ext>
+    </p:extLst>
+  </p:cSld>
+  <p:clrMap bg1="lt1" tx1="dk1" bg2="lt2" tx2="dk2" accent1="accent1" accent2="accent2" accent3="accent3" accent4="accent4" accent5="accent5" accent6="accent6" hlink="hlink" folHlink="folHlink"/>
+  <p:notesStyle>
+    <a:lvl1pPr marL="0" algn="l" defTabSz="914400" rtl="0" eaLnBrk="1" latinLnBrk="0" hangingPunct="1">
+      <a:defRPr sz="1200" kern="1200">
+        <a:solidFill>
+          <a:schemeClr val="tx1"/>
+        </a:solidFill>
+        <a:latin typeface="+mn-lt"/>
+        <a:ea typeface="+mn-ea"/>
+        <a:cs typeface="+mn-cs"/>
+      </a:defRPr>
+    </a:lvl1pPr>
+    <a:lvl2pPr marL="457200" algn="l" defTabSz="914400" rtl="0" eaLnBrk="1" latinLnBrk="0" hangingPunct="1">
+      <a:defRPr sz="1200" kern="1200">
+        <a:solidFill>
+          <a:schemeClr val="tx1"/>
+        </a:solidFill>
+        <a:latin typeface="+mn-lt"/>
+        <a:ea typeface="+mn-ea"/>
+        <a:cs typeface="+mn-cs"/>
+      </a:defRPr>
+    </a:lvl2pPr>
+    <a:lvl3pPr marL="914400" algn="l" defTabSz="914400" rtl="0" eaLnBrk="1" latinLnBrk="0" hangingPunct="1">
+      <a:defRPr sz="1200" kern="1200">
+        <a:solidFill>
+          <a:schemeClr val="tx1"/>
+        </a:solidFill>
+        <a:latin typeface="+mn-lt"/>
+        <a:ea typeface="+mn-ea"/>
+        <a:cs typeface="+mn-cs"/>
+      </a:defRPr>
+    </a:lvl3pPr>
+    <a:lvl4pPr marL="1371600" algn="l" defTabSz="914400" rtl="0" eaLnBrk="1" latinLnBrk="0" hangingPunct="1">
+      <a:defRPr sz="1200" kern="1200">
+        <a:solidFill>
+          <a:schemeClr val="tx1"/>
+        </a:solidFill>
+        <a:latin typeface="+mn-lt"/>
+        <a:ea typeface="+mn-ea"/>
+        <a:cs typeface="+mn-cs"/>
+      </a:defRPr>
+    </a:lvl4pPr>
+    <a:lvl5pPr marL="1828800" algn="l" defTabSz="914400" rtl="0" eaLnBrk="1" latinLnBrk="0" hangingPunct="1">
+      <a:defRPr sz="1200" kern="1200">
+        <a:solidFill>
+          <a:schemeClr val="tx1"/>
+        </a:solidFill>
+        <a:latin typeface="+mn-lt"/>
+        <a:ea typeface="+mn-ea"/>
+        <a:cs typeface="+mn-cs"/>
+      </a:defRPr>
+    </a:lvl5pPr>
+    <a:lvl6pPr marL="2286000" algn="l" defTabSz="914400" rtl="0" eaLnBrk="1" latinLnBrk="0" hangingPunct="1">
+      <a:defRPr sz="1200" kern="1200">
+        <a:solidFill>
+          <a:schemeClr val="tx1"/>
+        </a:solidFill>
+        <a:latin typeface="+mn-lt"/>
+        <a:ea typeface="+mn-ea"/>
+        <a:cs typeface="+mn-cs"/>
+      </a:defRPr>
+    </a:lvl6pPr>
+    <a:lvl7pPr marL="2743200" algn="l" defTabSz="914400" rtl="0" eaLnBrk="1" latinLnBrk="0" hangingPunct="1">
+      <a:defRPr sz="1200" kern="1200">
+        <a:solidFill>
+          <a:schemeClr val="tx1"/>
+        </a:solidFill>
+        <a:latin typeface="+mn-lt"/>
+        <a:ea typeface="+mn-ea"/>
+        <a:cs typeface="+mn-cs"/>
+      </a:defRPr>
+    </a:lvl7pPr>
+    <a:lvl8pPr marL="3200400" algn="l" defTabSz="914400" rtl="0" eaLnBrk="1" latinLnBrk="0" hangingPunct="1">
+      <a:defRPr sz="1200" kern="1200">
+        <a:solidFill>
+          <a:schemeClr val="tx1"/>
+        </a:solidFill>
+        <a:latin typeface="+mn-lt"/>
+        <a:ea typeface="+mn-ea"/>
+        <a:cs typeface="+mn-cs"/>
+      </a:defRPr>
+    </a:lvl8pPr>
+    <a:lvl9pPr marL="3657600" algn="l" defTabSz="914400" rtl="0" eaLnBrk="1" latinLnBrk="0" hangingPunct="1">
+      <a:defRPr sz="1200" kern="1200">
+        <a:solidFill>
+          <a:schemeClr val="tx1"/>
+        </a:solidFill>
+        <a:latin typeface="+mn-lt"/>
+        <a:ea typeface="+mn-ea"/>
+        <a:cs typeface="+mn-cs"/>
+      </a:defRPr>
+    </a:lvl9pPr>
+  </p:notesStyle>
+</p:notesMaster>
+</file>
+
+<file path=ppt/notesSlides/notesSlide1.xml><?xml version="1.0" encoding="utf-8"?>
+<p:notes xmlns:a="http://schemas.openxmlformats.org/drawingml/2006/main" xmlns:r="http://schemas.openxmlformats.org/officeDocument/2006/relationships" xmlns:p="http://schemas.openxmlformats.org/presentationml/2006/main">
+  <p:cSld>
+    <p:spTree>
+      <p:nvGrpSpPr>
+        <p:cNvPr id="1" name=""/>
+        <p:cNvGrpSpPr/>
+        <p:nvPr/>
+      </p:nvGrpSpPr>
+      <p:grpSpPr>
+        <a:xfrm>
+          <a:off x="0" y="0"/>
+          <a:ext cx="0" cy="0"/>
+          <a:chOff x="0" y="0"/>
+          <a:chExt cx="0" cy="0"/>
+        </a:xfrm>
+      </p:grpSpPr>
+      <p:sp>
+        <p:nvSpPr>
+          <p:cNvPr id="2" name="Espace réservé de l'image des diapositives 1"/>
+          <p:cNvSpPr>
+            <a:spLocks noGrp="1" noRot="1" noChangeAspect="1"/>
+          </p:cNvSpPr>
+          <p:nvPr>
+            <p:ph type="sldImg"/>
+          </p:nvPr>
+        </p:nvSpPr>
+        <p:spPr/>
+      </p:sp>
+      <p:sp>
+        <p:nvSpPr>
+          <p:cNvPr id="3" name="Espace réservé des notes 2"/>
+          <p:cNvSpPr>
+            <a:spLocks noGrp="1"/>
+          </p:cNvSpPr>
+          <p:nvPr>
+            <p:ph type="body" idx="1"/>
+          </p:nvPr>
+        </p:nvSpPr>
+        <p:spPr/>
+        <p:txBody>
+          <a:bodyPr/>
+          <a:lstStyle/>
+          <a:p>
+            <a:endParaRPr lang="fr-FR" dirty="0"/>
+          </a:p>
+        </p:txBody>
+      </p:sp>
+      <p:sp>
+        <p:nvSpPr>
+          <p:cNvPr id="4" name="Espace réservé du numéro de diapositive 3"/>
+          <p:cNvSpPr>
+            <a:spLocks noGrp="1"/>
+          </p:cNvSpPr>
+          <p:nvPr>
+            <p:ph type="sldNum" sz="quarter" idx="5"/>
+          </p:nvPr>
+        </p:nvSpPr>
+        <p:spPr/>
+        <p:txBody>
+          <a:bodyPr/>
+          <a:lstStyle/>
+          <a:p>
+            <a:fld id="{810D5B76-1A9E-4F44-BC02-7E4DEED840EF}" type="slidenum">
+              <a:rPr lang="fr-FR" smtClean="0"/>
+              <a:t>2</a:t>
+            </a:fld>
+            <a:endParaRPr lang="fr-FR"/>
+          </a:p>
+        </p:txBody>
+      </p:sp>
+    </p:spTree>
+    <p:extLst>
+      <p:ext uri="{BB962C8B-B14F-4D97-AF65-F5344CB8AC3E}">
+        <p14:creationId xmlns:p14="http://schemas.microsoft.com/office/powerpoint/2010/main" val="986780551"/>
+      </p:ext>
+    </p:extLst>
+  </p:cSld>
+  <p:clrMapOvr>
+    <a:masterClrMapping/>
+  </p:clrMapOvr>
+</p:notes>
+</file>
+
 <file path=ppt/slideLayouts/slideLayout1.xml><?xml version="1.0" encoding="utf-8"?>
 <p:sldLayout xmlns:a="http://schemas.openxmlformats.org/drawingml/2006/main" xmlns:r="http://schemas.openxmlformats.org/officeDocument/2006/relationships" xmlns:p="http://schemas.openxmlformats.org/presentationml/2006/main" type="title" preserve="1">
   <p:cSld name="Diapositive de titre">
@@ -336,7 +829,7 @@
           <a:p>
             <a:fld id="{E02868DE-D946-4C68-8EDF-555BCF368A2D}" type="datetimeFigureOut">
               <a:rPr lang="fr-FR" smtClean="0"/>
-              <a:t>27/03/2025</a:t>
+              <a:t>04/04/2025</a:t>
             </a:fld>
             <a:endParaRPr lang="fr-FR"/>
           </a:p>
@@ -611,7 +1104,7 @@
           <a:p>
             <a:fld id="{E02868DE-D946-4C68-8EDF-555BCF368A2D}" type="datetimeFigureOut">
               <a:rPr lang="fr-FR" smtClean="0"/>
-              <a:t>27/03/2025</a:t>
+              <a:t>04/04/2025</a:t>
             </a:fld>
             <a:endParaRPr lang="fr-FR"/>
           </a:p>
@@ -805,7 +1298,7 @@
           <a:p>
             <a:fld id="{E02868DE-D946-4C68-8EDF-555BCF368A2D}" type="datetimeFigureOut">
               <a:rPr lang="fr-FR" smtClean="0"/>
-              <a:t>27/03/2025</a:t>
+              <a:t>04/04/2025</a:t>
             </a:fld>
             <a:endParaRPr lang="fr-FR"/>
           </a:p>
@@ -1078,7 +1571,7 @@
           <a:p>
             <a:fld id="{E02868DE-D946-4C68-8EDF-555BCF368A2D}" type="datetimeFigureOut">
               <a:rPr lang="fr-FR" smtClean="0"/>
-              <a:t>27/03/2025</a:t>
+              <a:t>04/04/2025</a:t>
             </a:fld>
             <a:endParaRPr lang="fr-FR"/>
           </a:p>
@@ -1419,7 +1912,7 @@
           <a:p>
             <a:fld id="{E02868DE-D946-4C68-8EDF-555BCF368A2D}" type="datetimeFigureOut">
               <a:rPr lang="fr-FR" smtClean="0"/>
-              <a:t>27/03/2025</a:t>
+              <a:t>04/04/2025</a:t>
             </a:fld>
             <a:endParaRPr lang="fr-FR"/>
           </a:p>
@@ -2042,7 +2535,7 @@
           <a:p>
             <a:fld id="{E02868DE-D946-4C68-8EDF-555BCF368A2D}" type="datetimeFigureOut">
               <a:rPr lang="fr-FR" smtClean="0"/>
-              <a:t>27/03/2025</a:t>
+              <a:t>04/04/2025</a:t>
             </a:fld>
             <a:endParaRPr lang="fr-FR"/>
           </a:p>
@@ -2902,7 +3395,7 @@
           <a:p>
             <a:fld id="{E02868DE-D946-4C68-8EDF-555BCF368A2D}" type="datetimeFigureOut">
               <a:rPr lang="fr-FR" smtClean="0"/>
-              <a:t>27/03/2025</a:t>
+              <a:t>04/04/2025</a:t>
             </a:fld>
             <a:endParaRPr lang="fr-FR"/>
           </a:p>
@@ -3072,7 +3565,7 @@
           <a:p>
             <a:fld id="{E02868DE-D946-4C68-8EDF-555BCF368A2D}" type="datetimeFigureOut">
               <a:rPr lang="fr-FR" smtClean="0"/>
-              <a:t>27/03/2025</a:t>
+              <a:t>04/04/2025</a:t>
             </a:fld>
             <a:endParaRPr lang="fr-FR"/>
           </a:p>
@@ -3252,7 +3745,7 @@
           <a:p>
             <a:fld id="{E02868DE-D946-4C68-8EDF-555BCF368A2D}" type="datetimeFigureOut">
               <a:rPr lang="fr-FR" smtClean="0"/>
-              <a:t>27/03/2025</a:t>
+              <a:t>04/04/2025</a:t>
             </a:fld>
             <a:endParaRPr lang="fr-FR"/>
           </a:p>
@@ -3422,7 +3915,7 @@
           <a:p>
             <a:fld id="{E02868DE-D946-4C68-8EDF-555BCF368A2D}" type="datetimeFigureOut">
               <a:rPr lang="fr-FR" smtClean="0"/>
-              <a:t>27/03/2025</a:t>
+              <a:t>04/04/2025</a:t>
             </a:fld>
             <a:endParaRPr lang="fr-FR"/>
           </a:p>
@@ -3669,7 +4162,7 @@
           <a:p>
             <a:fld id="{E02868DE-D946-4C68-8EDF-555BCF368A2D}" type="datetimeFigureOut">
               <a:rPr lang="fr-FR" smtClean="0"/>
-              <a:t>27/03/2025</a:t>
+              <a:t>04/04/2025</a:t>
             </a:fld>
             <a:endParaRPr lang="fr-FR"/>
           </a:p>
@@ -3961,7 +4454,7 @@
           <a:p>
             <a:fld id="{E02868DE-D946-4C68-8EDF-555BCF368A2D}" type="datetimeFigureOut">
               <a:rPr lang="fr-FR" smtClean="0"/>
-              <a:t>27/03/2025</a:t>
+              <a:t>04/04/2025</a:t>
             </a:fld>
             <a:endParaRPr lang="fr-FR"/>
           </a:p>
@@ -4405,7 +4898,7 @@
           <a:p>
             <a:fld id="{E02868DE-D946-4C68-8EDF-555BCF368A2D}" type="datetimeFigureOut">
               <a:rPr lang="fr-FR" smtClean="0"/>
-              <a:t>27/03/2025</a:t>
+              <a:t>04/04/2025</a:t>
             </a:fld>
             <a:endParaRPr lang="fr-FR"/>
           </a:p>
@@ -4523,7 +5016,7 @@
           <a:p>
             <a:fld id="{E02868DE-D946-4C68-8EDF-555BCF368A2D}" type="datetimeFigureOut">
               <a:rPr lang="fr-FR" smtClean="0"/>
-              <a:t>27/03/2025</a:t>
+              <a:t>04/04/2025</a:t>
             </a:fld>
             <a:endParaRPr lang="fr-FR"/>
           </a:p>
@@ -4618,7 +5111,7 @@
           <a:p>
             <a:fld id="{E02868DE-D946-4C68-8EDF-555BCF368A2D}" type="datetimeFigureOut">
               <a:rPr lang="fr-FR" smtClean="0"/>
-              <a:t>27/03/2025</a:t>
+              <a:t>04/04/2025</a:t>
             </a:fld>
             <a:endParaRPr lang="fr-FR"/>
           </a:p>
@@ -4897,7 +5390,7 @@
           <a:p>
             <a:fld id="{E02868DE-D946-4C68-8EDF-555BCF368A2D}" type="datetimeFigureOut">
               <a:rPr lang="fr-FR" smtClean="0"/>
-              <a:t>27/03/2025</a:t>
+              <a:t>04/04/2025</a:t>
             </a:fld>
             <a:endParaRPr lang="fr-FR"/>
           </a:p>
@@ -5172,7 +5665,7 @@
           <a:p>
             <a:fld id="{E02868DE-D946-4C68-8EDF-555BCF368A2D}" type="datetimeFigureOut">
               <a:rPr lang="fr-FR" smtClean="0"/>
-              <a:t>27/03/2025</a:t>
+              <a:t>04/04/2025</a:t>
             </a:fld>
             <a:endParaRPr lang="fr-FR"/>
           </a:p>
@@ -5601,7 +6094,7 @@
           <a:p>
             <a:fld id="{E02868DE-D946-4C68-8EDF-555BCF368A2D}" type="datetimeFigureOut">
               <a:rPr lang="fr-FR" smtClean="0"/>
-              <a:t>27/03/2025</a:t>
+              <a:t>04/04/2025</a:t>
             </a:fld>
             <a:endParaRPr lang="fr-FR"/>
           </a:p>
@@ -6383,6 +6876,469 @@
 </p:sld>
 </file>
 
+<file path=ppt/slides/slide3.xml><?xml version="1.0" encoding="utf-8"?>
+<p:sld xmlns:a="http://schemas.openxmlformats.org/drawingml/2006/main" xmlns:r="http://schemas.openxmlformats.org/officeDocument/2006/relationships" xmlns:p="http://schemas.openxmlformats.org/presentationml/2006/main">
+  <p:cSld>
+    <p:spTree>
+      <p:nvGrpSpPr>
+        <p:cNvPr id="1" name=""/>
+        <p:cNvGrpSpPr/>
+        <p:nvPr/>
+      </p:nvGrpSpPr>
+      <p:grpSpPr>
+        <a:xfrm>
+          <a:off x="0" y="0"/>
+          <a:ext cx="0" cy="0"/>
+          <a:chOff x="0" y="0"/>
+          <a:chExt cx="0" cy="0"/>
+        </a:xfrm>
+      </p:grpSpPr>
+      <p:sp>
+        <p:nvSpPr>
+          <p:cNvPr id="2" name="Titre 1">
+            <a:extLst>
+              <a:ext uri="{FF2B5EF4-FFF2-40B4-BE49-F238E27FC236}">
+                <a16:creationId xmlns:a16="http://schemas.microsoft.com/office/drawing/2014/main" id="{9CFD3E1D-C6C8-6B35-2886-C39494E52752}"/>
+              </a:ext>
+            </a:extLst>
+          </p:cNvPr>
+          <p:cNvSpPr>
+            <a:spLocks noGrp="1"/>
+          </p:cNvSpPr>
+          <p:nvPr>
+            <p:ph type="title"/>
+          </p:nvPr>
+        </p:nvSpPr>
+        <p:spPr/>
+        <p:txBody>
+          <a:bodyPr/>
+          <a:lstStyle/>
+          <a:p>
+            <a:r>
+              <a:rPr lang="fr-FR" dirty="0"/>
+              <a:t>       1- Présentation Personnelle</a:t>
+            </a:r>
+          </a:p>
+        </p:txBody>
+      </p:sp>
+      <p:sp>
+        <p:nvSpPr>
+          <p:cNvPr id="3" name="Espace réservé du contenu 2">
+            <a:extLst>
+              <a:ext uri="{FF2B5EF4-FFF2-40B4-BE49-F238E27FC236}">
+                <a16:creationId xmlns:a16="http://schemas.microsoft.com/office/drawing/2014/main" id="{3E821042-7E6E-ACB9-228C-41957C9ED23B}"/>
+              </a:ext>
+            </a:extLst>
+          </p:cNvPr>
+          <p:cNvSpPr>
+            <a:spLocks noGrp="1"/>
+          </p:cNvSpPr>
+          <p:nvPr>
+            <p:ph idx="1"/>
+          </p:nvPr>
+        </p:nvSpPr>
+        <p:spPr/>
+        <p:txBody>
+          <a:bodyPr/>
+          <a:lstStyle/>
+          <a:p>
+            <a:endParaRPr lang="fr-FR" dirty="0"/>
+          </a:p>
+        </p:txBody>
+      </p:sp>
+    </p:spTree>
+    <p:extLst>
+      <p:ext uri="{BB962C8B-B14F-4D97-AF65-F5344CB8AC3E}">
+        <p14:creationId xmlns:p14="http://schemas.microsoft.com/office/powerpoint/2010/main" val="3300317717"/>
+      </p:ext>
+    </p:extLst>
+  </p:cSld>
+  <p:clrMapOvr>
+    <a:masterClrMapping/>
+  </p:clrMapOvr>
+  <mc:AlternateContent xmlns:mc="http://schemas.openxmlformats.org/markup-compatibility/2006">
+    <mc:Choice xmlns:p14="http://schemas.microsoft.com/office/powerpoint/2010/main" Requires="p14">
+      <p:transition spd="slow" p14:dur="1200">
+        <p14:prism dir="u"/>
+      </p:transition>
+    </mc:Choice>
+    <mc:Fallback>
+      <p:transition spd="slow">
+        <p:fade/>
+      </p:transition>
+    </mc:Fallback>
+  </mc:AlternateContent>
+</p:sld>
+</file>
+
+<file path=ppt/slides/slide4.xml><?xml version="1.0" encoding="utf-8"?>
+<p:sld xmlns:a="http://schemas.openxmlformats.org/drawingml/2006/main" xmlns:r="http://schemas.openxmlformats.org/officeDocument/2006/relationships" xmlns:p="http://schemas.openxmlformats.org/presentationml/2006/main">
+  <p:cSld>
+    <p:spTree>
+      <p:nvGrpSpPr>
+        <p:cNvPr id="1" name=""/>
+        <p:cNvGrpSpPr/>
+        <p:nvPr/>
+      </p:nvGrpSpPr>
+      <p:grpSpPr>
+        <a:xfrm>
+          <a:off x="0" y="0"/>
+          <a:ext cx="0" cy="0"/>
+          <a:chOff x="0" y="0"/>
+          <a:chExt cx="0" cy="0"/>
+        </a:xfrm>
+      </p:grpSpPr>
+      <p:sp>
+        <p:nvSpPr>
+          <p:cNvPr id="2" name="Titre 1">
+            <a:extLst>
+              <a:ext uri="{FF2B5EF4-FFF2-40B4-BE49-F238E27FC236}">
+                <a16:creationId xmlns:a16="http://schemas.microsoft.com/office/drawing/2014/main" id="{2E6D1DE6-F4C5-C9C3-F0CC-D7A09B7A9A9B}"/>
+              </a:ext>
+            </a:extLst>
+          </p:cNvPr>
+          <p:cNvSpPr>
+            <a:spLocks noGrp="1"/>
+          </p:cNvSpPr>
+          <p:nvPr>
+            <p:ph type="title"/>
+          </p:nvPr>
+        </p:nvSpPr>
+        <p:spPr/>
+        <p:txBody>
+          <a:bodyPr/>
+          <a:lstStyle/>
+          <a:p>
+            <a:endParaRPr lang="fr-FR"/>
+          </a:p>
+        </p:txBody>
+      </p:sp>
+      <p:sp>
+        <p:nvSpPr>
+          <p:cNvPr id="3" name="Espace réservé du contenu 2">
+            <a:extLst>
+              <a:ext uri="{FF2B5EF4-FFF2-40B4-BE49-F238E27FC236}">
+                <a16:creationId xmlns:a16="http://schemas.microsoft.com/office/drawing/2014/main" id="{12049835-EAD4-EC13-1980-DCD650FA095A}"/>
+              </a:ext>
+            </a:extLst>
+          </p:cNvPr>
+          <p:cNvSpPr>
+            <a:spLocks noGrp="1"/>
+          </p:cNvSpPr>
+          <p:nvPr>
+            <p:ph idx="1"/>
+          </p:nvPr>
+        </p:nvSpPr>
+        <p:spPr/>
+        <p:txBody>
+          <a:bodyPr/>
+          <a:lstStyle/>
+          <a:p>
+            <a:endParaRPr lang="fr-FR"/>
+          </a:p>
+        </p:txBody>
+      </p:sp>
+    </p:spTree>
+    <p:extLst>
+      <p:ext uri="{BB962C8B-B14F-4D97-AF65-F5344CB8AC3E}">
+        <p14:creationId xmlns:p14="http://schemas.microsoft.com/office/powerpoint/2010/main" val="2535689488"/>
+      </p:ext>
+    </p:extLst>
+  </p:cSld>
+  <p:clrMapOvr>
+    <a:masterClrMapping/>
+  </p:clrMapOvr>
+  <mc:AlternateContent xmlns:mc="http://schemas.openxmlformats.org/markup-compatibility/2006">
+    <mc:Choice xmlns:p14="http://schemas.microsoft.com/office/powerpoint/2010/main" Requires="p14">
+      <p:transition spd="slow" p14:dur="1200">
+        <p14:prism dir="u"/>
+      </p:transition>
+    </mc:Choice>
+    <mc:Fallback>
+      <p:transition spd="slow">
+        <p:fade/>
+      </p:transition>
+    </mc:Fallback>
+  </mc:AlternateContent>
+</p:sld>
+</file>
+
+<file path=ppt/slides/slide5.xml><?xml version="1.0" encoding="utf-8"?>
+<p:sld xmlns:a="http://schemas.openxmlformats.org/drawingml/2006/main" xmlns:r="http://schemas.openxmlformats.org/officeDocument/2006/relationships" xmlns:p="http://schemas.openxmlformats.org/presentationml/2006/main">
+  <p:cSld>
+    <p:spTree>
+      <p:nvGrpSpPr>
+        <p:cNvPr id="1" name=""/>
+        <p:cNvGrpSpPr/>
+        <p:nvPr/>
+      </p:nvGrpSpPr>
+      <p:grpSpPr>
+        <a:xfrm>
+          <a:off x="0" y="0"/>
+          <a:ext cx="0" cy="0"/>
+          <a:chOff x="0" y="0"/>
+          <a:chExt cx="0" cy="0"/>
+        </a:xfrm>
+      </p:grpSpPr>
+      <p:sp>
+        <p:nvSpPr>
+          <p:cNvPr id="2" name="Titre 1">
+            <a:extLst>
+              <a:ext uri="{FF2B5EF4-FFF2-40B4-BE49-F238E27FC236}">
+                <a16:creationId xmlns:a16="http://schemas.microsoft.com/office/drawing/2014/main" id="{C948FAEA-F334-BE9D-39DD-29EB172BF0D8}"/>
+              </a:ext>
+            </a:extLst>
+          </p:cNvPr>
+          <p:cNvSpPr>
+            <a:spLocks noGrp="1"/>
+          </p:cNvSpPr>
+          <p:nvPr>
+            <p:ph type="title"/>
+          </p:nvPr>
+        </p:nvSpPr>
+        <p:spPr/>
+        <p:txBody>
+          <a:bodyPr/>
+          <a:lstStyle/>
+          <a:p>
+            <a:endParaRPr lang="fr-FR"/>
+          </a:p>
+        </p:txBody>
+      </p:sp>
+      <p:sp>
+        <p:nvSpPr>
+          <p:cNvPr id="3" name="Espace réservé du contenu 2">
+            <a:extLst>
+              <a:ext uri="{FF2B5EF4-FFF2-40B4-BE49-F238E27FC236}">
+                <a16:creationId xmlns:a16="http://schemas.microsoft.com/office/drawing/2014/main" id="{1EAFCB47-4A78-B996-07B6-84294D85B669}"/>
+              </a:ext>
+            </a:extLst>
+          </p:cNvPr>
+          <p:cNvSpPr>
+            <a:spLocks noGrp="1"/>
+          </p:cNvSpPr>
+          <p:nvPr>
+            <p:ph idx="1"/>
+          </p:nvPr>
+        </p:nvSpPr>
+        <p:spPr/>
+        <p:txBody>
+          <a:bodyPr/>
+          <a:lstStyle/>
+          <a:p>
+            <a:endParaRPr lang="fr-FR"/>
+          </a:p>
+        </p:txBody>
+      </p:sp>
+    </p:spTree>
+    <p:extLst>
+      <p:ext uri="{BB962C8B-B14F-4D97-AF65-F5344CB8AC3E}">
+        <p14:creationId xmlns:p14="http://schemas.microsoft.com/office/powerpoint/2010/main" val="1350076515"/>
+      </p:ext>
+    </p:extLst>
+  </p:cSld>
+  <p:clrMapOvr>
+    <a:masterClrMapping/>
+  </p:clrMapOvr>
+  <mc:AlternateContent xmlns:mc="http://schemas.openxmlformats.org/markup-compatibility/2006">
+    <mc:Choice xmlns:p14="http://schemas.microsoft.com/office/powerpoint/2010/main" Requires="p14">
+      <p:transition spd="slow" p14:dur="1200">
+        <p14:prism dir="u"/>
+      </p:transition>
+    </mc:Choice>
+    <mc:Fallback>
+      <p:transition spd="slow">
+        <p:fade/>
+      </p:transition>
+    </mc:Fallback>
+  </mc:AlternateContent>
+</p:sld>
+</file>
+
+<file path=ppt/slides/slide6.xml><?xml version="1.0" encoding="utf-8"?>
+<p:sld xmlns:a="http://schemas.openxmlformats.org/drawingml/2006/main" xmlns:r="http://schemas.openxmlformats.org/officeDocument/2006/relationships" xmlns:p="http://schemas.openxmlformats.org/presentationml/2006/main">
+  <p:cSld>
+    <p:spTree>
+      <p:nvGrpSpPr>
+        <p:cNvPr id="1" name=""/>
+        <p:cNvGrpSpPr/>
+        <p:nvPr/>
+      </p:nvGrpSpPr>
+      <p:grpSpPr>
+        <a:xfrm>
+          <a:off x="0" y="0"/>
+          <a:ext cx="0" cy="0"/>
+          <a:chOff x="0" y="0"/>
+          <a:chExt cx="0" cy="0"/>
+        </a:xfrm>
+      </p:grpSpPr>
+      <p:sp>
+        <p:nvSpPr>
+          <p:cNvPr id="2" name="Titre 1">
+            <a:extLst>
+              <a:ext uri="{FF2B5EF4-FFF2-40B4-BE49-F238E27FC236}">
+                <a16:creationId xmlns:a16="http://schemas.microsoft.com/office/drawing/2014/main" id="{14124503-38A5-DE3F-EDD1-3B01C03CC043}"/>
+              </a:ext>
+            </a:extLst>
+          </p:cNvPr>
+          <p:cNvSpPr>
+            <a:spLocks noGrp="1"/>
+          </p:cNvSpPr>
+          <p:nvPr>
+            <p:ph type="title"/>
+          </p:nvPr>
+        </p:nvSpPr>
+        <p:spPr/>
+        <p:txBody>
+          <a:bodyPr/>
+          <a:lstStyle/>
+          <a:p>
+            <a:endParaRPr lang="fr-FR"/>
+          </a:p>
+        </p:txBody>
+      </p:sp>
+      <p:sp>
+        <p:nvSpPr>
+          <p:cNvPr id="3" name="Espace réservé du contenu 2">
+            <a:extLst>
+              <a:ext uri="{FF2B5EF4-FFF2-40B4-BE49-F238E27FC236}">
+                <a16:creationId xmlns:a16="http://schemas.microsoft.com/office/drawing/2014/main" id="{16BEF437-155C-5133-C0F2-E041310D507A}"/>
+              </a:ext>
+            </a:extLst>
+          </p:cNvPr>
+          <p:cNvSpPr>
+            <a:spLocks noGrp="1"/>
+          </p:cNvSpPr>
+          <p:nvPr>
+            <p:ph idx="1"/>
+          </p:nvPr>
+        </p:nvSpPr>
+        <p:spPr/>
+        <p:txBody>
+          <a:bodyPr/>
+          <a:lstStyle/>
+          <a:p>
+            <a:endParaRPr lang="fr-FR"/>
+          </a:p>
+        </p:txBody>
+      </p:sp>
+    </p:spTree>
+    <p:extLst>
+      <p:ext uri="{BB962C8B-B14F-4D97-AF65-F5344CB8AC3E}">
+        <p14:creationId xmlns:p14="http://schemas.microsoft.com/office/powerpoint/2010/main" val="843771624"/>
+      </p:ext>
+    </p:extLst>
+  </p:cSld>
+  <p:clrMapOvr>
+    <a:masterClrMapping/>
+  </p:clrMapOvr>
+  <mc:AlternateContent xmlns:mc="http://schemas.openxmlformats.org/markup-compatibility/2006">
+    <mc:Choice xmlns:p14="http://schemas.microsoft.com/office/powerpoint/2010/main" Requires="p14">
+      <p:transition spd="slow" p14:dur="1200">
+        <p14:prism dir="u"/>
+      </p:transition>
+    </mc:Choice>
+    <mc:Fallback>
+      <p:transition spd="slow">
+        <p:fade/>
+      </p:transition>
+    </mc:Fallback>
+  </mc:AlternateContent>
+</p:sld>
+</file>
+
+<file path=ppt/slides/slide7.xml><?xml version="1.0" encoding="utf-8"?>
+<p:sld xmlns:a="http://schemas.openxmlformats.org/drawingml/2006/main" xmlns:r="http://schemas.openxmlformats.org/officeDocument/2006/relationships" xmlns:p="http://schemas.openxmlformats.org/presentationml/2006/main">
+  <p:cSld>
+    <p:spTree>
+      <p:nvGrpSpPr>
+        <p:cNvPr id="1" name=""/>
+        <p:cNvGrpSpPr/>
+        <p:nvPr/>
+      </p:nvGrpSpPr>
+      <p:grpSpPr>
+        <a:xfrm>
+          <a:off x="0" y="0"/>
+          <a:ext cx="0" cy="0"/>
+          <a:chOff x="0" y="0"/>
+          <a:chExt cx="0" cy="0"/>
+        </a:xfrm>
+      </p:grpSpPr>
+      <p:sp>
+        <p:nvSpPr>
+          <p:cNvPr id="2" name="Titre 1">
+            <a:extLst>
+              <a:ext uri="{FF2B5EF4-FFF2-40B4-BE49-F238E27FC236}">
+                <a16:creationId xmlns:a16="http://schemas.microsoft.com/office/drawing/2014/main" id="{25637382-DE1F-49F0-BC4D-615D797AE4F5}"/>
+              </a:ext>
+            </a:extLst>
+          </p:cNvPr>
+          <p:cNvSpPr>
+            <a:spLocks noGrp="1"/>
+          </p:cNvSpPr>
+          <p:nvPr>
+            <p:ph type="title"/>
+          </p:nvPr>
+        </p:nvSpPr>
+        <p:spPr/>
+        <p:txBody>
+          <a:bodyPr/>
+          <a:lstStyle/>
+          <a:p>
+            <a:endParaRPr lang="fr-FR"/>
+          </a:p>
+        </p:txBody>
+      </p:sp>
+      <p:sp>
+        <p:nvSpPr>
+          <p:cNvPr id="3" name="Espace réservé du contenu 2">
+            <a:extLst>
+              <a:ext uri="{FF2B5EF4-FFF2-40B4-BE49-F238E27FC236}">
+                <a16:creationId xmlns:a16="http://schemas.microsoft.com/office/drawing/2014/main" id="{480772CA-CFC3-1FF6-ECFC-F55F3BE71447}"/>
+              </a:ext>
+            </a:extLst>
+          </p:cNvPr>
+          <p:cNvSpPr>
+            <a:spLocks noGrp="1"/>
+          </p:cNvSpPr>
+          <p:nvPr>
+            <p:ph idx="1"/>
+          </p:nvPr>
+        </p:nvSpPr>
+        <p:spPr/>
+        <p:txBody>
+          <a:bodyPr/>
+          <a:lstStyle/>
+          <a:p>
+            <a:endParaRPr lang="fr-FR"/>
+          </a:p>
+        </p:txBody>
+      </p:sp>
+    </p:spTree>
+    <p:extLst>
+      <p:ext uri="{BB962C8B-B14F-4D97-AF65-F5344CB8AC3E}">
+        <p14:creationId xmlns:p14="http://schemas.microsoft.com/office/powerpoint/2010/main" val="2833168550"/>
+      </p:ext>
+    </p:extLst>
+  </p:cSld>
+  <p:clrMapOvr>
+    <a:masterClrMapping/>
+  </p:clrMapOvr>
+  <mc:AlternateContent xmlns:mc="http://schemas.openxmlformats.org/markup-compatibility/2006">
+    <mc:Choice xmlns:p14="http://schemas.microsoft.com/office/powerpoint/2010/main" Requires="p14">
+      <p:transition spd="slow" p14:dur="1200">
+        <p14:prism dir="u"/>
+      </p:transition>
+    </mc:Choice>
+    <mc:Fallback>
+      <p:transition spd="slow">
+        <p:fade/>
+      </p:transition>
+    </mc:Fallback>
+  </mc:AlternateContent>
+</p:sld>
+</file>
+
 <file path=ppt/theme/theme1.xml><?xml version="1.0" encoding="utf-8"?>
 <a:theme xmlns:a="http://schemas.openxmlformats.org/drawingml/2006/main" name="Ion">
   <a:themeElements>
@@ -6642,4 +7598,319 @@
     </a:ext>
   </a:extLst>
 </a:theme>
+</file>
+
+<file path=ppt/theme/theme2.xml><?xml version="1.0" encoding="utf-8"?>
+<a:theme xmlns:a="http://schemas.openxmlformats.org/drawingml/2006/main" name="Thème Office">
+  <a:themeElements>
+    <a:clrScheme name="Office">
+      <a:dk1>
+        <a:sysClr val="windowText" lastClr="000000"/>
+      </a:dk1>
+      <a:lt1>
+        <a:sysClr val="window" lastClr="FFFFFF"/>
+      </a:lt1>
+      <a:dk2>
+        <a:srgbClr val="0E2841"/>
+      </a:dk2>
+      <a:lt2>
+        <a:srgbClr val="E8E8E8"/>
+      </a:lt2>
+      <a:accent1>
+        <a:srgbClr val="156082"/>
+      </a:accent1>
+      <a:accent2>
+        <a:srgbClr val="E97132"/>
+      </a:accent2>
+      <a:accent3>
+        <a:srgbClr val="196B24"/>
+      </a:accent3>
+      <a:accent4>
+        <a:srgbClr val="0F9ED5"/>
+      </a:accent4>
+      <a:accent5>
+        <a:srgbClr val="A02B93"/>
+      </a:accent5>
+      <a:accent6>
+        <a:srgbClr val="4EA72E"/>
+      </a:accent6>
+      <a:hlink>
+        <a:srgbClr val="467886"/>
+      </a:hlink>
+      <a:folHlink>
+        <a:srgbClr val="96607D"/>
+      </a:folHlink>
+    </a:clrScheme>
+    <a:fontScheme name="Office">
+      <a:majorFont>
+        <a:latin typeface="Aptos Display" panose="02110004020202020204"/>
+        <a:ea typeface=""/>
+        <a:cs typeface=""/>
+        <a:font script="Jpan" typeface="游ゴシック Light"/>
+        <a:font script="Hang" typeface="맑은 고딕"/>
+        <a:font script="Hans" typeface="等线 Light"/>
+        <a:font script="Hant" typeface="新細明體"/>
+        <a:font script="Arab" typeface="Times New Roman"/>
+        <a:font script="Hebr" typeface="Times New Roman"/>
+        <a:font script="Thai" typeface="Angsana New"/>
+        <a:font script="Ethi" typeface="Nyala"/>
+        <a:font script="Beng" typeface="Vrinda"/>
+        <a:font script="Gujr" typeface="Shruti"/>
+        <a:font script="Khmr" typeface="MoolBoran"/>
+        <a:font script="Knda" typeface="Tunga"/>
+        <a:font script="Guru" typeface="Raavi"/>
+        <a:font script="Cans" typeface="Euphemia"/>
+        <a:font script="Cher" typeface="Plantagenet Cherokee"/>
+        <a:font script="Yiii" typeface="Microsoft Yi Baiti"/>
+        <a:font script="Tibt" typeface="Microsoft Himalaya"/>
+        <a:font script="Thaa" typeface="MV Boli"/>
+        <a:font script="Deva" typeface="Mangal"/>
+        <a:font script="Telu" typeface="Gautami"/>
+        <a:font script="Taml" typeface="Latha"/>
+        <a:font script="Syrc" typeface="Estrangelo Edessa"/>
+        <a:font script="Orya" typeface="Kalinga"/>
+        <a:font script="Mlym" typeface="Kartika"/>
+        <a:font script="Laoo" typeface="DokChampa"/>
+        <a:font script="Sinh" typeface="Iskoola Pota"/>
+        <a:font script="Mong" typeface="Mongolian Baiti"/>
+        <a:font script="Viet" typeface="Times New Roman"/>
+        <a:font script="Uigh" typeface="Microsoft Uighur"/>
+        <a:font script="Geor" typeface="Sylfaen"/>
+        <a:font script="Armn" typeface="Arial"/>
+        <a:font script="Bugi" typeface="Leelawadee UI"/>
+        <a:font script="Bopo" typeface="Microsoft JhengHei"/>
+        <a:font script="Java" typeface="Javanese Text"/>
+        <a:font script="Lisu" typeface="Segoe UI"/>
+        <a:font script="Mymr" typeface="Myanmar Text"/>
+        <a:font script="Nkoo" typeface="Ebrima"/>
+        <a:font script="Olck" typeface="Nirmala UI"/>
+        <a:font script="Osma" typeface="Ebrima"/>
+        <a:font script="Phag" typeface="Phagspa"/>
+        <a:font script="Syrn" typeface="Estrangelo Edessa"/>
+        <a:font script="Syrj" typeface="Estrangelo Edessa"/>
+        <a:font script="Syre" typeface="Estrangelo Edessa"/>
+        <a:font script="Sora" typeface="Nirmala UI"/>
+        <a:font script="Tale" typeface="Microsoft Tai Le"/>
+        <a:font script="Talu" typeface="Microsoft New Tai Lue"/>
+        <a:font script="Tfng" typeface="Ebrima"/>
+      </a:majorFont>
+      <a:minorFont>
+        <a:latin typeface="Aptos" panose="02110004020202020204"/>
+        <a:ea typeface=""/>
+        <a:cs typeface=""/>
+        <a:font script="Jpan" typeface="游ゴシック"/>
+        <a:font script="Hang" typeface="맑은 고딕"/>
+        <a:font script="Hans" typeface="等线"/>
+        <a:font script="Hant" typeface="新細明體"/>
+        <a:font script="Arab" typeface="Arial"/>
+        <a:font script="Hebr" typeface="Arial"/>
+        <a:font script="Thai" typeface="Cordia New"/>
+        <a:font script="Ethi" typeface="Nyala"/>
+        <a:font script="Beng" typeface="Vrinda"/>
+        <a:font script="Gujr" typeface="Shruti"/>
+        <a:font script="Khmr" typeface="DaunPenh"/>
+        <a:font script="Knda" typeface="Tunga"/>
+        <a:font script="Guru" typeface="Raavi"/>
+        <a:font script="Cans" typeface="Euphemia"/>
+        <a:font script="Cher" typeface="Plantagenet Cherokee"/>
+        <a:font script="Yiii" typeface="Microsoft Yi Baiti"/>
+        <a:font script="Tibt" typeface="Microsoft Himalaya"/>
+        <a:font script="Thaa" typeface="MV Boli"/>
+        <a:font script="Deva" typeface="Mangal"/>
+        <a:font script="Telu" typeface="Gautami"/>
+        <a:font script="Taml" typeface="Latha"/>
+        <a:font script="Syrc" typeface="Estrangelo Edessa"/>
+        <a:font script="Orya" typeface="Kalinga"/>
+        <a:font script="Mlym" typeface="Kartika"/>
+        <a:font script="Laoo" typeface="DokChampa"/>
+        <a:font script="Sinh" typeface="Iskoola Pota"/>
+        <a:font script="Mong" typeface="Mongolian Baiti"/>
+        <a:font script="Viet" typeface="Arial"/>
+        <a:font script="Uigh" typeface="Microsoft Uighur"/>
+        <a:font script="Geor" typeface="Sylfaen"/>
+        <a:font script="Armn" typeface="Arial"/>
+        <a:font script="Bugi" typeface="Leelawadee UI"/>
+        <a:font script="Bopo" typeface="Microsoft JhengHei"/>
+        <a:font script="Java" typeface="Javanese Text"/>
+        <a:font script="Lisu" typeface="Segoe UI"/>
+        <a:font script="Mymr" typeface="Myanmar Text"/>
+        <a:font script="Nkoo" typeface="Ebrima"/>
+        <a:font script="Olck" typeface="Nirmala UI"/>
+        <a:font script="Osma" typeface="Ebrima"/>
+        <a:font script="Phag" typeface="Phagspa"/>
+        <a:font script="Syrn" typeface="Estrangelo Edessa"/>
+        <a:font script="Syrj" typeface="Estrangelo Edessa"/>
+        <a:font script="Syre" typeface="Estrangelo Edessa"/>
+        <a:font script="Sora" typeface="Nirmala UI"/>
+        <a:font script="Tale" typeface="Microsoft Tai Le"/>
+        <a:font script="Talu" typeface="Microsoft New Tai Lue"/>
+        <a:font script="Tfng" typeface="Ebrima"/>
+      </a:minorFont>
+    </a:fontScheme>
+    <a:fmtScheme name="Office">
+      <a:fillStyleLst>
+        <a:solidFill>
+          <a:schemeClr val="phClr"/>
+        </a:solidFill>
+        <a:gradFill rotWithShape="1">
+          <a:gsLst>
+            <a:gs pos="0">
+              <a:schemeClr val="phClr">
+                <a:lumMod val="110000"/>
+                <a:satMod val="105000"/>
+                <a:tint val="67000"/>
+              </a:schemeClr>
+            </a:gs>
+            <a:gs pos="50000">
+              <a:schemeClr val="phClr">
+                <a:lumMod val="105000"/>
+                <a:satMod val="103000"/>
+                <a:tint val="73000"/>
+              </a:schemeClr>
+            </a:gs>
+            <a:gs pos="100000">
+              <a:schemeClr val="phClr">
+                <a:lumMod val="105000"/>
+                <a:satMod val="109000"/>
+                <a:tint val="81000"/>
+              </a:schemeClr>
+            </a:gs>
+          </a:gsLst>
+          <a:lin ang="5400000" scaled="0"/>
+        </a:gradFill>
+        <a:gradFill rotWithShape="1">
+          <a:gsLst>
+            <a:gs pos="0">
+              <a:schemeClr val="phClr">
+                <a:satMod val="103000"/>
+                <a:lumMod val="102000"/>
+                <a:tint val="94000"/>
+              </a:schemeClr>
+            </a:gs>
+            <a:gs pos="50000">
+              <a:schemeClr val="phClr">
+                <a:satMod val="110000"/>
+                <a:lumMod val="100000"/>
+                <a:shade val="100000"/>
+              </a:schemeClr>
+            </a:gs>
+            <a:gs pos="100000">
+              <a:schemeClr val="phClr">
+                <a:lumMod val="99000"/>
+                <a:satMod val="120000"/>
+                <a:shade val="78000"/>
+              </a:schemeClr>
+            </a:gs>
+          </a:gsLst>
+          <a:lin ang="5400000" scaled="0"/>
+        </a:gradFill>
+      </a:fillStyleLst>
+      <a:lnStyleLst>
+        <a:ln w="12700" cap="flat" cmpd="sng" algn="ctr">
+          <a:solidFill>
+            <a:schemeClr val="phClr"/>
+          </a:solidFill>
+          <a:prstDash val="solid"/>
+          <a:miter lim="800000"/>
+        </a:ln>
+        <a:ln w="19050" cap="flat" cmpd="sng" algn="ctr">
+          <a:solidFill>
+            <a:schemeClr val="phClr"/>
+          </a:solidFill>
+          <a:prstDash val="solid"/>
+          <a:miter lim="800000"/>
+        </a:ln>
+        <a:ln w="25400" cap="flat" cmpd="sng" algn="ctr">
+          <a:solidFill>
+            <a:schemeClr val="phClr"/>
+          </a:solidFill>
+          <a:prstDash val="solid"/>
+          <a:miter lim="800000"/>
+        </a:ln>
+      </a:lnStyleLst>
+      <a:effectStyleLst>
+        <a:effectStyle>
+          <a:effectLst/>
+        </a:effectStyle>
+        <a:effectStyle>
+          <a:effectLst/>
+        </a:effectStyle>
+        <a:effectStyle>
+          <a:effectLst>
+            <a:outerShdw blurRad="57150" dist="19050" dir="5400000" algn="ctr" rotWithShape="0">
+              <a:srgbClr val="000000">
+                <a:alpha val="63000"/>
+              </a:srgbClr>
+            </a:outerShdw>
+          </a:effectLst>
+        </a:effectStyle>
+      </a:effectStyleLst>
+      <a:bgFillStyleLst>
+        <a:solidFill>
+          <a:schemeClr val="phClr"/>
+        </a:solidFill>
+        <a:solidFill>
+          <a:schemeClr val="phClr">
+            <a:tint val="95000"/>
+            <a:satMod val="170000"/>
+          </a:schemeClr>
+        </a:solidFill>
+        <a:gradFill rotWithShape="1">
+          <a:gsLst>
+            <a:gs pos="0">
+              <a:schemeClr val="phClr">
+                <a:tint val="93000"/>
+                <a:satMod val="150000"/>
+                <a:shade val="98000"/>
+                <a:lumMod val="102000"/>
+              </a:schemeClr>
+            </a:gs>
+            <a:gs pos="50000">
+              <a:schemeClr val="phClr">
+                <a:tint val="98000"/>
+                <a:satMod val="130000"/>
+                <a:shade val="90000"/>
+                <a:lumMod val="103000"/>
+              </a:schemeClr>
+            </a:gs>
+            <a:gs pos="100000">
+              <a:schemeClr val="phClr">
+                <a:shade val="63000"/>
+                <a:satMod val="120000"/>
+              </a:schemeClr>
+            </a:gs>
+          </a:gsLst>
+          <a:lin ang="5400000" scaled="0"/>
+        </a:gradFill>
+      </a:bgFillStyleLst>
+    </a:fmtScheme>
+  </a:themeElements>
+  <a:objectDefaults>
+    <a:lnDef>
+      <a:spPr/>
+      <a:bodyPr/>
+      <a:lstStyle/>
+      <a:style>
+        <a:lnRef idx="2">
+          <a:schemeClr val="accent1"/>
+        </a:lnRef>
+        <a:fillRef idx="0">
+          <a:schemeClr val="accent1"/>
+        </a:fillRef>
+        <a:effectRef idx="1">
+          <a:schemeClr val="accent1"/>
+        </a:effectRef>
+        <a:fontRef idx="minor">
+          <a:schemeClr val="tx1"/>
+        </a:fontRef>
+      </a:style>
+    </a:lnDef>
+  </a:objectDefaults>
+  <a:extraClrSchemeLst/>
+  <a:extLst>
+    <a:ext uri="{05A4C25C-085E-4340-85A3-A5531E510DB2}">
+      <thm15:themeFamily xmlns:thm15="http://schemas.microsoft.com/office/thememl/2012/main" name="Office Theme" id="{2E142A2C-CD16-42D6-873A-C26D2A0506FA}" vid="{1BDDFF52-6CD6-40A5-AB3C-68EB2F1E4D0A}"/>
+    </a:ext>
+  </a:extLst>
+</a:theme>
 </file>